--- a/cai-shioya-12.pptx
+++ b/cai-shioya-12.pptx
@@ -9749,7 +9749,7 @@
             </a:r>
             <a:r>
               <a:rPr lang="en-US" altLang="ja-JP" sz="1400" dirty="0"/>
-              <a:t>0x0fea0000 </a:t>
+              <a:t>0xfea50000 </a:t>
             </a:r>
             <a:r>
               <a:rPr lang="ja-JP" altLang="en-US" sz="1400" dirty="0"/>
@@ -9782,6 +9782,25 @@
             <a:r>
               <a:rPr lang="ja-JP" altLang="en-US" sz="1400" dirty="0"/>
               <a:t>は存在しない</a:t>
+            </a:r>
+            <a:endParaRPr lang="en-US" altLang="ja-JP" sz="1400" dirty="0"/>
+          </a:p>
+          <a:p>
+            <a:r>
+              <a:rPr lang="ja-JP" altLang="en-US" sz="1400"/>
+              <a:t>（すいません</a:t>
+            </a:r>
+            <a:r>
+              <a:rPr lang="ja-JP" altLang="en-US" sz="1400" dirty="0"/>
+              <a:t>，</a:t>
+            </a:r>
+            <a:r>
+              <a:rPr lang="en-US" altLang="ja-JP" sz="1400" dirty="0"/>
+              <a:t>0xfea50000 </a:t>
+            </a:r>
+            <a:r>
+              <a:rPr lang="ja-JP" altLang="en-US" sz="1400" dirty="0"/>
+              <a:t>のところが間違っていました</a:t>
             </a:r>
             <a:endParaRPr lang="en-US" altLang="ja-JP" sz="1400" dirty="0"/>
           </a:p>
@@ -13283,7 +13302,7 @@
                 </a:solidFill>
                 <a:latin typeface="+mn-ea"/>
               </a:rPr>
-              <a:t>4KB</a:t>
+              <a:t>64KB</a:t>
             </a:r>
             <a:endParaRPr kumimoji="1" lang="ja-JP" altLang="en-US" dirty="0">
               <a:solidFill>
